--- a/SystemArchitecture/System Architecture Diagram 1.pptx
+++ b/SystemArchitecture/System Architecture Diagram 1.pptx
@@ -104,6 +104,11 @@
       </a:defRPr>
     </a:lvl9pPr>
   </p:defaultTextStyle>
+  <p:extLst>
+    <p:ext uri="{EFAFB233-063F-42B5-8137-9DF3F51BA10A}">
+      <p15:sldGuideLst xmlns:p15="http://schemas.microsoft.com/office/powerpoint/2012/main"/>
+    </p:ext>
+  </p:extLst>
 </p:presentation>
 </file>
 
@@ -120,12 +125,12 @@
   <pc:docChgLst>
     <pc:chgData name="Euan Ferguson" userId="d3d78bc380f84dea" providerId="LiveId" clId="{0213FDE3-88F6-4F23-9668-A65040C7AC20}"/>
     <pc:docChg chg="undo custSel mod addSld modSld">
-      <pc:chgData name="Euan Ferguson" userId="d3d78bc380f84dea" providerId="LiveId" clId="{0213FDE3-88F6-4F23-9668-A65040C7AC20}" dt="2019-02-13T17:27:43.584" v="17" actId="931"/>
+      <pc:chgData name="Euan Ferguson" userId="d3d78bc380f84dea" providerId="LiveId" clId="{0213FDE3-88F6-4F23-9668-A65040C7AC20}" dt="2019-02-14T16:54:32.769" v="19" actId="931"/>
       <pc:docMkLst>
         <pc:docMk/>
       </pc:docMkLst>
       <pc:sldChg chg="addSp delSp modSp add mod setBg">
-        <pc:chgData name="Euan Ferguson" userId="d3d78bc380f84dea" providerId="LiveId" clId="{0213FDE3-88F6-4F23-9668-A65040C7AC20}" dt="2019-02-13T17:27:43.584" v="17" actId="931"/>
+        <pc:chgData name="Euan Ferguson" userId="d3d78bc380f84dea" providerId="LiveId" clId="{0213FDE3-88F6-4F23-9668-A65040C7AC20}" dt="2019-02-14T16:54:32.769" v="19" actId="931"/>
         <pc:sldMkLst>
           <pc:docMk/>
           <pc:sldMk cId="2225031276" sldId="256"/>
@@ -210,8 +215,16 @@
             <ac:spMk id="22" creationId="{1855405F-37A2-4869-9154-F8BE3BECE6C3}"/>
           </ac:spMkLst>
         </pc:spChg>
+        <pc:picChg chg="add mod">
+          <ac:chgData name="Euan Ferguson" userId="d3d78bc380f84dea" providerId="LiveId" clId="{0213FDE3-88F6-4F23-9668-A65040C7AC20}" dt="2019-02-14T16:54:32.769" v="19" actId="931"/>
+          <ac:picMkLst>
+            <pc:docMk/>
+            <pc:sldMk cId="2225031276" sldId="256"/>
+            <ac:picMk id="3" creationId="{05BBF921-0172-4780-8023-2177E294494B}"/>
+          </ac:picMkLst>
+        </pc:picChg>
         <pc:picChg chg="add del mod">
-          <ac:chgData name="Euan Ferguson" userId="d3d78bc380f84dea" providerId="LiveId" clId="{0213FDE3-88F6-4F23-9668-A65040C7AC20}" dt="2019-02-13T17:27:43.584" v="17" actId="931"/>
+          <ac:chgData name="Euan Ferguson" userId="d3d78bc380f84dea" providerId="LiveId" clId="{0213FDE3-88F6-4F23-9668-A65040C7AC20}" dt="2019-02-14T16:54:19.185" v="18" actId="478"/>
           <ac:picMkLst>
             <pc:docMk/>
             <pc:sldMk cId="2225031276" sldId="256"/>
@@ -381,7 +394,7 @@
           <a:p>
             <a:fld id="{E36E95E2-F7E1-432B-9C26-D82923F369CB}" type="datetimeFigureOut">
               <a:rPr lang="en-GB" smtClean="0"/>
-              <a:t>13/02/2019</a:t>
+              <a:t>14/02/2019</a:t>
             </a:fld>
             <a:endParaRPr lang="en-GB"/>
           </a:p>
@@ -581,7 +594,7 @@
           <a:p>
             <a:fld id="{E36E95E2-F7E1-432B-9C26-D82923F369CB}" type="datetimeFigureOut">
               <a:rPr lang="en-GB" smtClean="0"/>
-              <a:t>13/02/2019</a:t>
+              <a:t>14/02/2019</a:t>
             </a:fld>
             <a:endParaRPr lang="en-GB"/>
           </a:p>
@@ -791,7 +804,7 @@
           <a:p>
             <a:fld id="{E36E95E2-F7E1-432B-9C26-D82923F369CB}" type="datetimeFigureOut">
               <a:rPr lang="en-GB" smtClean="0"/>
-              <a:t>13/02/2019</a:t>
+              <a:t>14/02/2019</a:t>
             </a:fld>
             <a:endParaRPr lang="en-GB"/>
           </a:p>
@@ -991,7 +1004,7 @@
           <a:p>
             <a:fld id="{E36E95E2-F7E1-432B-9C26-D82923F369CB}" type="datetimeFigureOut">
               <a:rPr lang="en-GB" smtClean="0"/>
-              <a:t>13/02/2019</a:t>
+              <a:t>14/02/2019</a:t>
             </a:fld>
             <a:endParaRPr lang="en-GB"/>
           </a:p>
@@ -1267,7 +1280,7 @@
           <a:p>
             <a:fld id="{E36E95E2-F7E1-432B-9C26-D82923F369CB}" type="datetimeFigureOut">
               <a:rPr lang="en-GB" smtClean="0"/>
-              <a:t>13/02/2019</a:t>
+              <a:t>14/02/2019</a:t>
             </a:fld>
             <a:endParaRPr lang="en-GB"/>
           </a:p>
@@ -1535,7 +1548,7 @@
           <a:p>
             <a:fld id="{E36E95E2-F7E1-432B-9C26-D82923F369CB}" type="datetimeFigureOut">
               <a:rPr lang="en-GB" smtClean="0"/>
-              <a:t>13/02/2019</a:t>
+              <a:t>14/02/2019</a:t>
             </a:fld>
             <a:endParaRPr lang="en-GB"/>
           </a:p>
@@ -1950,7 +1963,7 @@
           <a:p>
             <a:fld id="{E36E95E2-F7E1-432B-9C26-D82923F369CB}" type="datetimeFigureOut">
               <a:rPr lang="en-GB" smtClean="0"/>
-              <a:t>13/02/2019</a:t>
+              <a:t>14/02/2019</a:t>
             </a:fld>
             <a:endParaRPr lang="en-GB"/>
           </a:p>
@@ -2092,7 +2105,7 @@
           <a:p>
             <a:fld id="{E36E95E2-F7E1-432B-9C26-D82923F369CB}" type="datetimeFigureOut">
               <a:rPr lang="en-GB" smtClean="0"/>
-              <a:t>13/02/2019</a:t>
+              <a:t>14/02/2019</a:t>
             </a:fld>
             <a:endParaRPr lang="en-GB"/>
           </a:p>
@@ -2205,7 +2218,7 @@
           <a:p>
             <a:fld id="{E36E95E2-F7E1-432B-9C26-D82923F369CB}" type="datetimeFigureOut">
               <a:rPr lang="en-GB" smtClean="0"/>
-              <a:t>13/02/2019</a:t>
+              <a:t>14/02/2019</a:t>
             </a:fld>
             <a:endParaRPr lang="en-GB"/>
           </a:p>
@@ -2518,7 +2531,7 @@
           <a:p>
             <a:fld id="{E36E95E2-F7E1-432B-9C26-D82923F369CB}" type="datetimeFigureOut">
               <a:rPr lang="en-GB" smtClean="0"/>
-              <a:t>13/02/2019</a:t>
+              <a:t>14/02/2019</a:t>
             </a:fld>
             <a:endParaRPr lang="en-GB"/>
           </a:p>
@@ -2807,7 +2820,7 @@
           <a:p>
             <a:fld id="{E36E95E2-F7E1-432B-9C26-D82923F369CB}" type="datetimeFigureOut">
               <a:rPr lang="en-GB" smtClean="0"/>
-              <a:t>13/02/2019</a:t>
+              <a:t>14/02/2019</a:t>
             </a:fld>
             <a:endParaRPr lang="en-GB"/>
           </a:p>
@@ -3050,7 +3063,7 @@
           <a:p>
             <a:fld id="{E36E95E2-F7E1-432B-9C26-D82923F369CB}" type="datetimeFigureOut">
               <a:rPr lang="en-GB" smtClean="0"/>
-              <a:t>13/02/2019</a:t>
+              <a:t>14/02/2019</a:t>
             </a:fld>
             <a:endParaRPr lang="en-GB"/>
           </a:p>
@@ -3469,10 +3482,10 @@
       </p:grpSpPr>
       <p:pic>
         <p:nvPicPr>
-          <p:cNvPr id="5" name="Picture 4">
-            <a:extLst>
-              <a:ext uri="{FF2B5EF4-FFF2-40B4-BE49-F238E27FC236}">
-                <a16:creationId xmlns:a16="http://schemas.microsoft.com/office/drawing/2014/main" id="{D58B1741-9E6E-4A6D-B5C3-294E8FCE9EE2}"/>
+          <p:cNvPr id="3" name="Picture 2">
+            <a:extLst>
+              <a:ext uri="{FF2B5EF4-FFF2-40B4-BE49-F238E27FC236}">
+                <a16:creationId xmlns:a16="http://schemas.microsoft.com/office/drawing/2014/main" id="{05BBF921-0172-4780-8023-2177E294494B}"/>
               </a:ext>
             </a:extLst>
           </p:cNvPr>
@@ -3495,8 +3508,8 @@
         </p:blipFill>
         <p:spPr>
           <a:xfrm>
-            <a:off x="1306068" y="365760"/>
-            <a:ext cx="9579864" cy="6126480"/>
+            <a:off x="917448" y="356616"/>
+            <a:ext cx="10357104" cy="6144768"/>
           </a:xfrm>
           <a:prstGeom prst="rect">
             <a:avLst/>
